--- a/TrackR.pptx
+++ b/TrackR.pptx
@@ -107,6 +107,11 @@
       </a:defRPr>
     </a:lvl9pPr>
   </p:defaultTextStyle>
+  <p:extLst>
+    <p:ext uri="{EFAFB233-063F-42B5-8137-9DF3F51BA10A}">
+      <p15:sldGuideLst xmlns:p15="http://schemas.microsoft.com/office/powerpoint/2012/main"/>
+    </p:ext>
+  </p:extLst>
 </p:presentation>
 </file>
 
@@ -6027,84 +6032,19 @@
               <a:buChar char="•"/>
             </a:pPr>
             <a:r>
-              <a:rPr lang="en-US" sz="2400" dirty="0" err="1"/>
-              <a:t>Kiek</a:t>
-            </a:r>
-            <a:r>
-              <a:rPr lang="en-US" sz="2400" dirty="0"/>
-              <a:t> </a:t>
-            </a:r>
-            <a:r>
-              <a:rPr lang="en-US" sz="2400" dirty="0" err="1"/>
-              <a:t>kartų</a:t>
-            </a:r>
-            <a:r>
-              <a:rPr lang="en-US" sz="2400" dirty="0"/>
-              <a:t> </a:t>
-            </a:r>
-            <a:r>
-              <a:rPr lang="en-US" sz="2400" dirty="0" err="1"/>
-              <a:t>ieškodamas</a:t>
-            </a:r>
-            <a:r>
-              <a:rPr lang="en-US" sz="2400" dirty="0"/>
-              <a:t> </a:t>
-            </a:r>
-            <a:r>
-              <a:rPr lang="en-US" sz="2400" dirty="0" err="1"/>
-              <a:t>savo</a:t>
-            </a:r>
-            <a:r>
-              <a:rPr lang="en-US" sz="2400" dirty="0"/>
-              <a:t> </a:t>
-            </a:r>
-            <a:r>
-              <a:rPr lang="en-US" sz="2400" dirty="0" err="1"/>
-              <a:t>raktų</a:t>
-            </a:r>
-            <a:r>
-              <a:rPr lang="en-US" sz="2400" dirty="0"/>
-              <a:t> </a:t>
-            </a:r>
-            <a:endParaRPr lang="en-US" sz="2400" dirty="0" smtClean="0"/>
-          </a:p>
-          <a:p>
-            <a:r>
-              <a:rPr lang="en-US" sz="2400" dirty="0"/>
-              <a:t>	</a:t>
-            </a:r>
-            <a:r>
-              <a:rPr lang="en-US" sz="2400" dirty="0" err="1" smtClean="0"/>
-              <a:t>norėjai</a:t>
-            </a:r>
-            <a:r>
-              <a:rPr lang="en-US" sz="2400" dirty="0" smtClean="0"/>
-              <a:t> </a:t>
-            </a:r>
-            <a:r>
-              <a:rPr lang="en-US" sz="2400" dirty="0" err="1"/>
-              <a:t>jiems</a:t>
-            </a:r>
-            <a:r>
-              <a:rPr lang="en-US" sz="2400" dirty="0"/>
-              <a:t> </a:t>
-            </a:r>
-            <a:r>
-              <a:rPr lang="en-US" sz="2400" dirty="0" err="1"/>
-              <a:t>paskambinti</a:t>
-            </a:r>
-            <a:r>
-              <a:rPr lang="en-US" sz="2400" dirty="0"/>
-              <a:t>? </a:t>
-            </a:r>
-            <a:r>
-              <a:rPr lang="en-US" sz="2400" dirty="0" smtClean="0"/>
-              <a:t/>
+              <a:rPr lang="lt-LT" sz="2400" dirty="0" smtClean="0"/>
+              <a:t>Kiek kartų ieškodamas savo raktų </a:t>
+            </a:r>
+          </a:p>
+          <a:p>
+            <a:r>
+              <a:rPr lang="lt-LT" sz="2400" dirty="0" smtClean="0"/>
+              <a:t>	norėjai jiems paskambinti? </a:t>
             </a:r>
             <a:br>
-              <a:rPr lang="en-US" sz="2400" dirty="0" smtClean="0"/>
+              <a:rPr lang="lt-LT" sz="2400" dirty="0" smtClean="0"/>
             </a:br>
-            <a:endParaRPr lang="en-US" sz="2400" dirty="0" smtClean="0"/>
+            <a:endParaRPr lang="lt-LT" sz="2400" dirty="0" smtClean="0"/>
           </a:p>
           <a:p>
             <a:pPr marL="342900" indent="-342900">
@@ -6112,102 +6052,18 @@
               <a:buChar char="•"/>
             </a:pPr>
             <a:r>
-              <a:rPr lang="en-US" sz="2400" dirty="0" err="1" smtClean="0"/>
-              <a:t>Ką</a:t>
+              <a:rPr lang="lt-LT" sz="2400" dirty="0" smtClean="0"/>
+              <a:t>Ką darai kai eidamas pro duris supranti, </a:t>
+            </a:r>
+            <a:br>
+              <a:rPr lang="lt-LT" sz="2400" dirty="0" smtClean="0"/>
+            </a:br>
+            <a:r>
+              <a:rPr lang="lt-LT" sz="2400" dirty="0" smtClean="0"/>
+              <a:t>	kad tavo telefonas slepiasi kažkur namuose</a:t>
             </a:r>
             <a:r>
               <a:rPr lang="en-US" sz="2400" dirty="0" smtClean="0"/>
-              <a:t> </a:t>
-            </a:r>
-            <a:r>
-              <a:rPr lang="en-US" sz="2400" dirty="0" err="1"/>
-              <a:t>darai</a:t>
-            </a:r>
-            <a:r>
-              <a:rPr lang="en-US" sz="2400" dirty="0"/>
-              <a:t> kai </a:t>
-            </a:r>
-            <a:r>
-              <a:rPr lang="en-US" sz="2400" dirty="0" err="1"/>
-              <a:t>eidamas</a:t>
-            </a:r>
-            <a:r>
-              <a:rPr lang="en-US" sz="2400" dirty="0"/>
-              <a:t> pro </a:t>
-            </a:r>
-            <a:r>
-              <a:rPr lang="en-US" sz="2400" dirty="0" err="1"/>
-              <a:t>duris</a:t>
-            </a:r>
-            <a:r>
-              <a:rPr lang="en-US" sz="2400" dirty="0"/>
-              <a:t> </a:t>
-            </a:r>
-            <a:r>
-              <a:rPr lang="en-US" sz="2400" dirty="0" err="1"/>
-              <a:t>supranti</a:t>
-            </a:r>
-            <a:r>
-              <a:rPr lang="en-US" sz="2400" dirty="0"/>
-              <a:t>, </a:t>
-            </a:r>
-            <a:r>
-              <a:rPr lang="en-US" sz="2400" dirty="0" smtClean="0"/>
-              <a:t/>
-            </a:r>
-            <a:br>
-              <a:rPr lang="en-US" sz="2400" dirty="0" smtClean="0"/>
-            </a:br>
-            <a:r>
-              <a:rPr lang="en-US" sz="2400" dirty="0" smtClean="0"/>
-              <a:t>	</a:t>
-            </a:r>
-            <a:r>
-              <a:rPr lang="en-US" sz="2400" dirty="0" err="1" smtClean="0"/>
-              <a:t>kad</a:t>
-            </a:r>
-            <a:r>
-              <a:rPr lang="en-US" sz="2400" dirty="0" smtClean="0"/>
-              <a:t> </a:t>
-            </a:r>
-            <a:r>
-              <a:rPr lang="en-US" sz="2400" dirty="0" err="1"/>
-              <a:t>tavo</a:t>
-            </a:r>
-            <a:r>
-              <a:rPr lang="en-US" sz="2400" dirty="0"/>
-              <a:t> </a:t>
-            </a:r>
-            <a:r>
-              <a:rPr lang="en-US" sz="2400" dirty="0" err="1"/>
-              <a:t>telefonas</a:t>
-            </a:r>
-            <a:r>
-              <a:rPr lang="en-US" sz="2400" dirty="0"/>
-              <a:t> </a:t>
-            </a:r>
-            <a:r>
-              <a:rPr lang="en-US" sz="2400" dirty="0" err="1"/>
-              <a:t>slepiasi</a:t>
-            </a:r>
-            <a:r>
-              <a:rPr lang="en-US" sz="2400" dirty="0"/>
-              <a:t> </a:t>
-            </a:r>
-            <a:r>
-              <a:rPr lang="en-US" sz="2400" dirty="0" err="1"/>
-              <a:t>kažkur</a:t>
-            </a:r>
-            <a:r>
-              <a:rPr lang="en-US" sz="2400" dirty="0"/>
-              <a:t> </a:t>
-            </a:r>
-            <a:r>
-              <a:rPr lang="en-US" sz="2400" dirty="0" err="1"/>
-              <a:t>namuose</a:t>
-            </a:r>
-            <a:r>
-              <a:rPr lang="en-US" sz="2400" dirty="0"/>
               <a:t>? </a:t>
             </a:r>
             <a:endParaRPr lang="en-GB" sz="2400" dirty="0"/>
@@ -6311,100 +6167,40 @@
           <a:lstStyle/>
           <a:p>
             <a:r>
-              <a:rPr lang="en-US" dirty="0" err="1"/>
-              <a:t>Naujas</a:t>
-            </a:r>
-            <a:r>
-              <a:rPr lang="en-US" dirty="0"/>
+              <a:rPr lang="lt-LT" dirty="0" smtClean="0"/>
+              <a:t>Naujas, </a:t>
+            </a:r>
+            <a:r>
+              <a:rPr lang="lt-LT" dirty="0" err="1" smtClean="0"/>
+              <a:t>inovatyvus</a:t>
+            </a:r>
+            <a:r>
+              <a:rPr lang="lt-LT" dirty="0" smtClean="0"/>
               <a:t>, </a:t>
             </a:r>
             <a:r>
-              <a:rPr lang="en-US" dirty="0" err="1"/>
-              <a:t>inovatyvus</a:t>
-            </a:r>
-            <a:r>
-              <a:rPr lang="en-US" dirty="0"/>
-              <a:t>, </a:t>
-            </a:r>
-            <a:r>
-              <a:rPr lang="en-US" dirty="0" err="1"/>
+              <a:rPr lang="lt-LT" dirty="0" err="1" smtClean="0"/>
               <a:t>Jav</a:t>
             </a:r>
             <a:r>
-              <a:rPr lang="en-US" dirty="0"/>
-              <a:t> </a:t>
-            </a:r>
-            <a:r>
-              <a:rPr lang="en-US" dirty="0" err="1"/>
-              <a:t>rinkoje</a:t>
-            </a:r>
-            <a:r>
-              <a:rPr lang="en-US" dirty="0"/>
-              <a:t> </a:t>
-            </a:r>
-            <a:r>
-              <a:rPr lang="en-US" dirty="0" err="1"/>
-              <a:t>jau</a:t>
-            </a:r>
-            <a:r>
-              <a:rPr lang="en-US" dirty="0"/>
-              <a:t> </a:t>
-            </a:r>
-            <a:r>
-              <a:rPr lang="en-US" dirty="0" err="1"/>
-              <a:t>naudojamas</a:t>
-            </a:r>
-            <a:r>
-              <a:rPr lang="en-US" dirty="0"/>
-              <a:t> – Tracker. </a:t>
-            </a:r>
-            <a:r>
-              <a:rPr lang="en-US" dirty="0" err="1"/>
-              <a:t>Papraščiausias</a:t>
-            </a:r>
-            <a:r>
-              <a:rPr lang="en-US" dirty="0"/>
-              <a:t> </a:t>
-            </a:r>
-            <a:r>
-              <a:rPr lang="en-US" dirty="0" err="1"/>
-              <a:t>būdas</a:t>
-            </a:r>
-            <a:r>
-              <a:rPr lang="en-US" dirty="0"/>
-              <a:t> </a:t>
-            </a:r>
-            <a:r>
-              <a:rPr lang="en-US" dirty="0" err="1"/>
-              <a:t>rasti</a:t>
-            </a:r>
-            <a:r>
-              <a:rPr lang="en-US" dirty="0"/>
-              <a:t> </a:t>
-            </a:r>
-            <a:r>
-              <a:rPr lang="en-US" dirty="0" err="1"/>
-              <a:t>pamestus</a:t>
-            </a:r>
-            <a:r>
-              <a:rPr lang="en-US" dirty="0"/>
-              <a:t> </a:t>
-            </a:r>
-            <a:r>
-              <a:rPr lang="en-US" dirty="0" err="1"/>
-              <a:t>daiktus</a:t>
-            </a:r>
-            <a:r>
-              <a:rPr lang="en-US" dirty="0"/>
-              <a:t>.</a:t>
-            </a:r>
-            <a:r>
-              <a:rPr lang="en-GB" dirty="0" smtClean="0">
+              <a:rPr lang="lt-LT" dirty="0" smtClean="0"/>
+              <a:t> rinkoje jau naudojamas – </a:t>
+            </a:r>
+            <a:r>
+              <a:rPr lang="lt-LT" dirty="0" err="1" smtClean="0"/>
+              <a:t>TrackR</a:t>
+            </a:r>
+            <a:r>
+              <a:rPr lang="lt-LT" dirty="0" smtClean="0"/>
+              <a:t>, paprasčiausias būdas rasti pamestus daiktus.</a:t>
+            </a:r>
+            <a:r>
+              <a:rPr lang="lt-LT" dirty="0" smtClean="0">
                 <a:effectLst/>
               </a:rPr>
               <a:t> </a:t>
             </a:r>
-            <a:endParaRPr lang="en-US" dirty="0"/>
+            <a:endParaRPr lang="lt-LT" dirty="0"/>
           </a:p>
         </p:txBody>
       </p:sp>
@@ -6461,132 +6257,16 @@
           <a:p>
             <a:pPr algn="ctr"/>
             <a:r>
-              <a:rPr lang="en-US" dirty="0" err="1"/>
-              <a:t>Naudodamasis</a:t>
-            </a:r>
-            <a:r>
-              <a:rPr lang="en-US" dirty="0"/>
-              <a:t> </a:t>
-            </a:r>
-            <a:r>
-              <a:rPr lang="en-US" dirty="0" err="1" smtClean="0"/>
-              <a:t>mobiliąja</a:t>
-            </a:r>
-            <a:r>
-              <a:rPr lang="en-US" dirty="0" smtClean="0"/>
-              <a:t> </a:t>
-            </a:r>
-            <a:r>
-              <a:rPr lang="en-US" dirty="0" err="1"/>
-              <a:t>aplikacija</a:t>
-            </a:r>
-            <a:r>
-              <a:rPr lang="en-US" dirty="0"/>
-              <a:t> </a:t>
-            </a:r>
-            <a:r>
-              <a:rPr lang="en-US" dirty="0" err="1"/>
-              <a:t>gali</a:t>
-            </a:r>
-            <a:r>
-              <a:rPr lang="en-US" dirty="0"/>
-              <a:t> </a:t>
-            </a:r>
-            <a:r>
-              <a:rPr lang="en-US" dirty="0" err="1"/>
-              <a:t>žemėlapyje</a:t>
-            </a:r>
-            <a:r>
-              <a:rPr lang="en-US" dirty="0"/>
-              <a:t> </a:t>
-            </a:r>
-            <a:r>
-              <a:rPr lang="en-US" dirty="0" err="1"/>
-              <a:t>matyti</a:t>
-            </a:r>
-            <a:r>
-              <a:rPr lang="en-US" dirty="0"/>
-              <a:t> </a:t>
-            </a:r>
-            <a:r>
-              <a:rPr lang="en-US" dirty="0" err="1"/>
-              <a:t>savo</a:t>
-            </a:r>
-            <a:r>
-              <a:rPr lang="en-US" dirty="0"/>
-              <a:t> </a:t>
-            </a:r>
-            <a:r>
-              <a:rPr lang="en-US" dirty="0" err="1"/>
-              <a:t>daiktus</a:t>
-            </a:r>
-            <a:r>
-              <a:rPr lang="en-US" dirty="0"/>
-              <a:t>, </a:t>
-            </a:r>
-            <a:r>
-              <a:rPr lang="en-US" dirty="0" err="1"/>
-              <a:t>jiems</a:t>
-            </a:r>
-            <a:r>
-              <a:rPr lang="en-US" dirty="0"/>
-              <a:t> “</a:t>
-            </a:r>
-            <a:r>
-              <a:rPr lang="en-US" dirty="0" err="1"/>
-              <a:t>paskambinti</a:t>
-            </a:r>
-            <a:r>
-              <a:rPr lang="en-US" dirty="0"/>
-              <a:t>”, </a:t>
-            </a:r>
-            <a:r>
-              <a:rPr lang="en-US" dirty="0" smtClean="0"/>
-              <a:t>o </a:t>
-            </a:r>
-            <a:r>
-              <a:rPr lang="en-US" dirty="0" err="1"/>
-              <a:t>nerasdamas</a:t>
-            </a:r>
-            <a:r>
-              <a:rPr lang="en-US" dirty="0"/>
-              <a:t> </a:t>
-            </a:r>
-            <a:r>
-              <a:rPr lang="en-US" dirty="0" err="1"/>
-              <a:t>telefono</a:t>
-            </a:r>
-            <a:r>
-              <a:rPr lang="en-US" dirty="0"/>
-              <a:t>, </a:t>
-            </a:r>
-            <a:r>
-              <a:rPr lang="en-US" dirty="0" err="1"/>
-              <a:t>gali</a:t>
-            </a:r>
-            <a:r>
-              <a:rPr lang="en-US" dirty="0"/>
-              <a:t> </a:t>
-            </a:r>
-            <a:r>
-              <a:rPr lang="en-US" dirty="0" err="1"/>
-              <a:t>priversti</a:t>
-            </a:r>
-            <a:r>
-              <a:rPr lang="en-US" dirty="0"/>
-              <a:t> j</a:t>
-            </a:r>
-            <a:r>
-              <a:rPr lang="lt-LT" dirty="0"/>
-              <a:t>į skambėti.</a:t>
-            </a:r>
-            <a:r>
-              <a:rPr lang="en-GB" dirty="0" smtClean="0">
+              <a:rPr lang="lt-LT" dirty="0" smtClean="0"/>
+              <a:t>Naudodamasis mobiliąja aplikacija gali žemėlapyje matyti savo daiktus, jiems “paskambinti”, o nerasdamas telefono, gali priversti jį skambėti.</a:t>
+            </a:r>
+            <a:r>
+              <a:rPr lang="lt-LT" dirty="0" smtClean="0">
                 <a:effectLst/>
               </a:rPr>
               <a:t> </a:t>
             </a:r>
-            <a:endParaRPr lang="en-US" dirty="0"/>
+            <a:endParaRPr lang="lt-LT" dirty="0"/>
           </a:p>
         </p:txBody>
       </p:sp>
@@ -6727,6 +6407,13 @@
                 <a:latin typeface="+mn-lt"/>
               </a:rPr>
               <a:t>taU</a:t>
+            </a:r>
+            <a:r>
+              <a:rPr lang="en-US" sz="2800" dirty="0" smtClean="0">
+                <a:effectLst/>
+                <a:latin typeface="+mn-lt"/>
+              </a:rPr>
+              <a:t>!</a:t>
             </a:r>
             <a:endParaRPr lang="en-US" dirty="0">
               <a:latin typeface="+mn-lt"/>
